--- a/Lectures/Lecture 3 - Evolutionary Biology.pptx
+++ b/Lectures/Lecture 3 - Evolutionary Biology.pptx
@@ -53622,7 +53622,7 @@
           <p:cNvPr id="3" name="Picture 2">
             <a:extLst>
               <a:ext uri="{FF2B5EF4-FFF2-40B4-BE49-F238E27FC236}">
-                <a16:creationId xmlns:a16="http://schemas.microsoft.com/office/drawing/2014/main" id="{739BDEAD-896D-374D-9F2B-7FB19605D865}"/>
+                <a16:creationId xmlns:a16="http://schemas.microsoft.com/office/drawing/2014/main" id="{18DFF767-6896-E242-9719-4D6DBF28CB53}"/>
               </a:ext>
             </a:extLst>
           </p:cNvPr>
@@ -53639,8 +53639,8 @@
         </p:blipFill>
         <p:spPr>
           <a:xfrm>
-            <a:off x="500066" y="1628800"/>
-            <a:ext cx="8215876" cy="3409497"/>
+            <a:off x="287524" y="1700808"/>
+            <a:ext cx="8568952" cy="3179260"/>
           </a:xfrm>
           <a:prstGeom prst="rect">
             <a:avLst/>

--- a/Lectures/Lecture 3 - Evolutionary Biology.pptx
+++ b/Lectures/Lecture 3 - Evolutionary Biology.pptx
@@ -5,7 +5,7 @@
     <p:sldMasterId id="2147483649" r:id="rId1"/>
   </p:sldMasterIdLst>
   <p:notesMasterIdLst>
-    <p:notesMasterId r:id="rId75"/>
+    <p:notesMasterId r:id="rId74"/>
   </p:notesMasterIdLst>
   <p:sldIdLst>
     <p:sldId id="652" r:id="rId2"/>
@@ -80,7 +80,6 @@
     <p:sldId id="646" r:id="rId71"/>
     <p:sldId id="650" r:id="rId72"/>
     <p:sldId id="564" r:id="rId73"/>
-    <p:sldId id="663" r:id="rId74"/>
   </p:sldIdLst>
   <p:sldSz cx="9144000" cy="6858000" type="screen4x3"/>
   <p:notesSz cx="6858000" cy="9144000"/>
@@ -7174,99 +7173,6 @@
         </p:txBody>
       </p:sp>
     </p:spTree>
-  </p:cSld>
-  <p:clrMapOvr>
-    <a:masterClrMapping/>
-  </p:clrMapOvr>
-</p:notes>
-</file>
-
-<file path=ppt/notesSlides/notesSlide73.xml><?xml version="1.0" encoding="utf-8"?>
-<p:notes xmlns:a="http://schemas.openxmlformats.org/drawingml/2006/main" xmlns:r="http://schemas.openxmlformats.org/officeDocument/2006/relationships" xmlns:p="http://schemas.openxmlformats.org/presentationml/2006/main">
-  <p:cSld>
-    <p:spTree>
-      <p:nvGrpSpPr>
-        <p:cNvPr id="1" name=""/>
-        <p:cNvGrpSpPr/>
-        <p:nvPr/>
-      </p:nvGrpSpPr>
-      <p:grpSpPr>
-        <a:xfrm>
-          <a:off x="0" y="0"/>
-          <a:ext cx="0" cy="0"/>
-          <a:chOff x="0" y="0"/>
-          <a:chExt cx="0" cy="0"/>
-        </a:xfrm>
-      </p:grpSpPr>
-      <p:sp>
-        <p:nvSpPr>
-          <p:cNvPr id="15362" name="Rectangle 7"/>
-          <p:cNvSpPr>
-            <a:spLocks noGrp="1" noChangeArrowheads="1"/>
-          </p:cNvSpPr>
-          <p:nvPr>
-            <p:ph type="sldNum" sz="quarter" idx="5"/>
-          </p:nvPr>
-        </p:nvSpPr>
-        <p:spPr>
-          <a:noFill/>
-        </p:spPr>
-        <p:txBody>
-          <a:bodyPr/>
-          <a:lstStyle/>
-          <a:p>
-            <a:fld id="{C3095A83-93CF-9340-9B73-54644CC0C2D9}" type="slidenum">
-              <a:rPr lang="en-US"/>
-              <a:pPr/>
-              <a:t>73</a:t>
-            </a:fld>
-            <a:endParaRPr lang="en-US"/>
-          </a:p>
-        </p:txBody>
-      </p:sp>
-      <p:sp>
-        <p:nvSpPr>
-          <p:cNvPr id="15363" name="Rectangle 2"/>
-          <p:cNvSpPr>
-            <a:spLocks noGrp="1" noRot="1" noChangeAspect="1" noChangeArrowheads="1" noTextEdit="1"/>
-          </p:cNvSpPr>
-          <p:nvPr>
-            <p:ph type="sldImg"/>
-          </p:nvPr>
-        </p:nvSpPr>
-        <p:spPr>
-          <a:ln/>
-        </p:spPr>
-      </p:sp>
-      <p:sp>
-        <p:nvSpPr>
-          <p:cNvPr id="15364" name="Rectangle 3"/>
-          <p:cNvSpPr>
-            <a:spLocks noGrp="1" noChangeArrowheads="1"/>
-          </p:cNvSpPr>
-          <p:nvPr>
-            <p:ph type="body" idx="1"/>
-          </p:nvPr>
-        </p:nvSpPr>
-        <p:spPr>
-          <a:noFill/>
-          <a:ln/>
-        </p:spPr>
-        <p:txBody>
-          <a:bodyPr/>
-          <a:lstStyle/>
-          <a:p>
-            <a:pPr eaLnBrk="1" hangingPunct="1"/>
-            <a:endParaRPr lang="en-US"/>
-          </a:p>
-        </p:txBody>
-      </p:sp>
-    </p:spTree>
-    <p:extLst>
-      <p:ext uri="{BB962C8B-B14F-4D97-AF65-F5344CB8AC3E}">
-        <p14:creationId xmlns:p14="http://schemas.microsoft.com/office/powerpoint/2010/main" val="3365680150"/>
-      </p:ext>
-    </p:extLst>
   </p:cSld>
   <p:clrMapOvr>
     <a:masterClrMapping/>
@@ -55197,10 +55103,10 @@
       </p:sp>
       <p:pic>
         <p:nvPicPr>
-          <p:cNvPr id="4" name="Picture 3" descr="A screenshot of a social media post&#10;&#10;Description automatically generated">
+          <p:cNvPr id="3" name="Picture 2" descr="A screenshot of a computer&#10;&#10;Description automatically generated">
             <a:extLst>
               <a:ext uri="{FF2B5EF4-FFF2-40B4-BE49-F238E27FC236}">
-                <a16:creationId xmlns:a16="http://schemas.microsoft.com/office/drawing/2014/main" id="{E58AEDA8-15FF-E949-B40C-61221A4ECE8C}"/>
+                <a16:creationId xmlns:a16="http://schemas.microsoft.com/office/drawing/2014/main" id="{710CE0B0-C128-D660-C7E4-E1477EFF52B7}"/>
               </a:ext>
             </a:extLst>
           </p:cNvPr>
@@ -55217,8 +55123,38 @@
         </p:blipFill>
         <p:spPr>
           <a:xfrm>
-            <a:off x="884145" y="1151082"/>
-            <a:ext cx="7918390" cy="5073739"/>
+            <a:off x="971600" y="3573016"/>
+            <a:ext cx="7772400" cy="2310713"/>
+          </a:xfrm>
+          <a:prstGeom prst="rect">
+            <a:avLst/>
+          </a:prstGeom>
+        </p:spPr>
+      </p:pic>
+      <p:pic>
+        <p:nvPicPr>
+          <p:cNvPr id="7" name="Picture 6" descr="A screenshot of a phone&#10;&#10;Description automatically generated">
+            <a:extLst>
+              <a:ext uri="{FF2B5EF4-FFF2-40B4-BE49-F238E27FC236}">
+                <a16:creationId xmlns:a16="http://schemas.microsoft.com/office/drawing/2014/main" id="{0398989A-1C2F-A737-2833-39CC54DD6C32}"/>
+              </a:ext>
+            </a:extLst>
+          </p:cNvPr>
+          <p:cNvPicPr>
+            <a:picLocks noChangeAspect="1"/>
+          </p:cNvPicPr>
+          <p:nvPr/>
+        </p:nvPicPr>
+        <p:blipFill>
+          <a:blip r:embed="rId4"/>
+          <a:stretch>
+            <a:fillRect/>
+          </a:stretch>
+        </p:blipFill>
+        <p:spPr>
+          <a:xfrm>
+            <a:off x="251520" y="1484784"/>
+            <a:ext cx="7772400" cy="971550"/>
           </a:xfrm>
           <a:prstGeom prst="rect">
             <a:avLst/>
@@ -55229,228 +55165,6 @@
     <p:extLst>
       <p:ext uri="{BB962C8B-B14F-4D97-AF65-F5344CB8AC3E}">
         <p14:creationId xmlns:p14="http://schemas.microsoft.com/office/powerpoint/2010/main" val="904162487"/>
-      </p:ext>
-    </p:extLst>
-  </p:cSld>
-  <p:clrMapOvr>
-    <a:masterClrMapping/>
-  </p:clrMapOvr>
-</p:sld>
-</file>
-
-<file path=ppt/slides/slide73.xml><?xml version="1.0" encoding="utf-8"?>
-<p:sld xmlns:a="http://schemas.openxmlformats.org/drawingml/2006/main" xmlns:r="http://schemas.openxmlformats.org/officeDocument/2006/relationships" xmlns:p="http://schemas.openxmlformats.org/presentationml/2006/main">
-  <p:cSld>
-    <p:spTree>
-      <p:nvGrpSpPr>
-        <p:cNvPr id="1" name=""/>
-        <p:cNvGrpSpPr/>
-        <p:nvPr/>
-      </p:nvGrpSpPr>
-      <p:grpSpPr>
-        <a:xfrm>
-          <a:off x="0" y="0"/>
-          <a:ext cx="0" cy="0"/>
-          <a:chOff x="0" y="0"/>
-          <a:chExt cx="0" cy="0"/>
-        </a:xfrm>
-      </p:grpSpPr>
-      <p:sp>
-        <p:nvSpPr>
-          <p:cNvPr id="4" name="Rectangle 2">
-            <a:extLst>
-              <a:ext uri="{FF2B5EF4-FFF2-40B4-BE49-F238E27FC236}">
-                <a16:creationId xmlns:a16="http://schemas.microsoft.com/office/drawing/2014/main" id="{C04A766B-F5E6-6F4D-9451-C686F0315AAD}"/>
-              </a:ext>
-            </a:extLst>
-          </p:cNvPr>
-          <p:cNvSpPr txBox="1">
-            <a:spLocks noChangeArrowheads="1"/>
-          </p:cNvSpPr>
-          <p:nvPr/>
-        </p:nvSpPr>
-        <p:spPr bwMode="auto">
-          <a:xfrm>
-            <a:off x="220988" y="2256656"/>
-            <a:ext cx="8686800" cy="1676400"/>
-          </a:xfrm>
-          <a:prstGeom prst="rect">
-            <a:avLst/>
-          </a:prstGeom>
-          <a:noFill/>
-          <a:ln w="9525">
-            <a:noFill/>
-            <a:miter lim="800000"/>
-            <a:headEnd/>
-            <a:tailEnd/>
-          </a:ln>
-        </p:spPr>
-        <p:txBody>
-          <a:bodyPr vert="horz" wrap="square" lIns="91440" tIns="45720" rIns="91440" bIns="45720" numCol="1" anchor="ctr" anchorCtr="0" compatLnSpc="1">
-            <a:prstTxWarp prst="textNoShape">
-              <a:avLst/>
-            </a:prstTxWarp>
-          </a:bodyPr>
-          <a:lstStyle>
-            <a:lvl1pPr algn="ctr" rtl="0" eaLnBrk="0" fontAlgn="base" hangingPunct="0">
-              <a:spcBef>
-                <a:spcPct val="0"/>
-              </a:spcBef>
-              <a:spcAft>
-                <a:spcPct val="0"/>
-              </a:spcAft>
-              <a:defRPr sz="4400">
-                <a:solidFill>
-                  <a:schemeClr val="tx2"/>
-                </a:solidFill>
-                <a:latin typeface="+mj-lt"/>
-                <a:ea typeface="ＭＳ Ｐゴシック" charset="-128"/>
-                <a:cs typeface="ＭＳ Ｐゴシック" charset="-128"/>
-              </a:defRPr>
-            </a:lvl1pPr>
-            <a:lvl2pPr algn="ctr" rtl="0" eaLnBrk="0" fontAlgn="base" hangingPunct="0">
-              <a:spcBef>
-                <a:spcPct val="0"/>
-              </a:spcBef>
-              <a:spcAft>
-                <a:spcPct val="0"/>
-              </a:spcAft>
-              <a:defRPr sz="4400">
-                <a:solidFill>
-                  <a:schemeClr val="tx2"/>
-                </a:solidFill>
-                <a:latin typeface="Times New Roman" charset="0"/>
-                <a:ea typeface="ＭＳ Ｐゴシック" charset="-128"/>
-                <a:cs typeface="ＭＳ Ｐゴシック" charset="-128"/>
-              </a:defRPr>
-            </a:lvl2pPr>
-            <a:lvl3pPr algn="ctr" rtl="0" eaLnBrk="0" fontAlgn="base" hangingPunct="0">
-              <a:spcBef>
-                <a:spcPct val="0"/>
-              </a:spcBef>
-              <a:spcAft>
-                <a:spcPct val="0"/>
-              </a:spcAft>
-              <a:defRPr sz="4400">
-                <a:solidFill>
-                  <a:schemeClr val="tx2"/>
-                </a:solidFill>
-                <a:latin typeface="Times New Roman" charset="0"/>
-                <a:ea typeface="ＭＳ Ｐゴシック" charset="-128"/>
-                <a:cs typeface="ＭＳ Ｐゴシック" charset="-128"/>
-              </a:defRPr>
-            </a:lvl3pPr>
-            <a:lvl4pPr algn="ctr" rtl="0" eaLnBrk="0" fontAlgn="base" hangingPunct="0">
-              <a:spcBef>
-                <a:spcPct val="0"/>
-              </a:spcBef>
-              <a:spcAft>
-                <a:spcPct val="0"/>
-              </a:spcAft>
-              <a:defRPr sz="4400">
-                <a:solidFill>
-                  <a:schemeClr val="tx2"/>
-                </a:solidFill>
-                <a:latin typeface="Times New Roman" charset="0"/>
-                <a:ea typeface="ＭＳ Ｐゴシック" charset="-128"/>
-                <a:cs typeface="ＭＳ Ｐゴシック" charset="-128"/>
-              </a:defRPr>
-            </a:lvl4pPr>
-            <a:lvl5pPr algn="ctr" rtl="0" eaLnBrk="0" fontAlgn="base" hangingPunct="0">
-              <a:spcBef>
-                <a:spcPct val="0"/>
-              </a:spcBef>
-              <a:spcAft>
-                <a:spcPct val="0"/>
-              </a:spcAft>
-              <a:defRPr sz="4400">
-                <a:solidFill>
-                  <a:schemeClr val="tx2"/>
-                </a:solidFill>
-                <a:latin typeface="Times New Roman" charset="0"/>
-                <a:ea typeface="ＭＳ Ｐゴシック" charset="-128"/>
-                <a:cs typeface="ＭＳ Ｐゴシック" charset="-128"/>
-              </a:defRPr>
-            </a:lvl5pPr>
-            <a:lvl6pPr marL="457200" algn="ctr" rtl="0" fontAlgn="base">
-              <a:spcBef>
-                <a:spcPct val="0"/>
-              </a:spcBef>
-              <a:spcAft>
-                <a:spcPct val="0"/>
-              </a:spcAft>
-              <a:defRPr sz="4400">
-                <a:solidFill>
-                  <a:schemeClr val="tx2"/>
-                </a:solidFill>
-                <a:latin typeface="Times New Roman" charset="0"/>
-              </a:defRPr>
-            </a:lvl6pPr>
-            <a:lvl7pPr marL="914400" algn="ctr" rtl="0" fontAlgn="base">
-              <a:spcBef>
-                <a:spcPct val="0"/>
-              </a:spcBef>
-              <a:spcAft>
-                <a:spcPct val="0"/>
-              </a:spcAft>
-              <a:defRPr sz="4400">
-                <a:solidFill>
-                  <a:schemeClr val="tx2"/>
-                </a:solidFill>
-                <a:latin typeface="Times New Roman" charset="0"/>
-              </a:defRPr>
-            </a:lvl7pPr>
-            <a:lvl8pPr marL="1371600" algn="ctr" rtl="0" fontAlgn="base">
-              <a:spcBef>
-                <a:spcPct val="0"/>
-              </a:spcBef>
-              <a:spcAft>
-                <a:spcPct val="0"/>
-              </a:spcAft>
-              <a:defRPr sz="4400">
-                <a:solidFill>
-                  <a:schemeClr val="tx2"/>
-                </a:solidFill>
-                <a:latin typeface="Times New Roman" charset="0"/>
-              </a:defRPr>
-            </a:lvl8pPr>
-            <a:lvl9pPr marL="1828800" algn="ctr" rtl="0" fontAlgn="base">
-              <a:spcBef>
-                <a:spcPct val="0"/>
-              </a:spcBef>
-              <a:spcAft>
-                <a:spcPct val="0"/>
-              </a:spcAft>
-              <a:defRPr sz="4400">
-                <a:solidFill>
-                  <a:schemeClr val="tx2"/>
-                </a:solidFill>
-                <a:latin typeface="Times New Roman" charset="0"/>
-              </a:defRPr>
-            </a:lvl9pPr>
-          </a:lstStyle>
-          <a:p>
-            <a:pPr eaLnBrk="1" hangingPunct="1"/>
-            <a:r>
-              <a:rPr lang="en-US" sz="1800" b="1" dirty="0">
-                <a:solidFill>
-                  <a:schemeClr val="tx1"/>
-                </a:solidFill>
-              </a:rPr>
-              <a:t>End</a:t>
-            </a:r>
-            <a:endParaRPr lang="en-US" sz="1800" dirty="0">
-              <a:solidFill>
-                <a:schemeClr val="tx1"/>
-              </a:solidFill>
-            </a:endParaRPr>
-          </a:p>
-        </p:txBody>
-      </p:sp>
-    </p:spTree>
-    <p:extLst>
-      <p:ext uri="{BB962C8B-B14F-4D97-AF65-F5344CB8AC3E}">
-        <p14:creationId xmlns:p14="http://schemas.microsoft.com/office/powerpoint/2010/main" val="2074637917"/>
       </p:ext>
     </p:extLst>
   </p:cSld>

--- a/Lectures/Lecture 3 - Evolutionary Biology.pptx
+++ b/Lectures/Lecture 3 - Evolutionary Biology.pptx
@@ -53669,10 +53669,10 @@
       </p:pic>
       <p:pic>
         <p:nvPicPr>
-          <p:cNvPr id="7" name="Picture 6" descr="A screenshot of a phone&#10;&#10;Description automatically generated">
+          <p:cNvPr id="4" name="Picture 3" descr="A screenshot of a computer&#10;&#10;Description automatically generated">
             <a:extLst>
               <a:ext uri="{FF2B5EF4-FFF2-40B4-BE49-F238E27FC236}">
-                <a16:creationId xmlns:a16="http://schemas.microsoft.com/office/drawing/2014/main" id="{0398989A-1C2F-A737-2833-39CC54DD6C32}"/>
+                <a16:creationId xmlns:a16="http://schemas.microsoft.com/office/drawing/2014/main" id="{317E6B92-D7A5-765E-CC23-3C935F932E95}"/>
               </a:ext>
             </a:extLst>
           </p:cNvPr>
@@ -53689,8 +53689,8 @@
         </p:blipFill>
         <p:spPr>
           <a:xfrm>
-            <a:off x="251520" y="1484784"/>
-            <a:ext cx="7772400" cy="971550"/>
+            <a:off x="539552" y="1340768"/>
+            <a:ext cx="7772400" cy="1164328"/>
           </a:xfrm>
           <a:prstGeom prst="rect">
             <a:avLst/>
